--- a/Documentation/Presentations/SquadIT-Final.pptx
+++ b/Documentation/Presentations/SquadIT-Final.pptx
@@ -248,7 +248,7 @@
           <a:p>
             <a:fld id="{1304DE95-3EFA-4AC6-A787-E4D6B3F2B0B2}" type="datetimeFigureOut">
               <a:rPr lang="de-DE" smtClean="0"/>
-              <a:t>20.06.2017</a:t>
+              <a:t>21.06.2017</a:t>
             </a:fld>
             <a:endParaRPr lang="de-DE"/>
           </a:p>
@@ -2338,7 +2338,7 @@
           <a:p>
             <a:fld id="{79058477-AC86-4C9B-9F0A-A8350F01C523}" type="datetime1">
               <a:rPr lang="en-US" smtClean="0"/>
-              <a:t>6/20/2017</a:t>
+              <a:t>6/21/2017</a:t>
             </a:fld>
             <a:endParaRPr lang="en-US" dirty="0"/>
           </a:p>
@@ -2777,7 +2777,7 @@
           <a:p>
             <a:fld id="{BF6C9F77-8D87-49DF-B8E8-37CFE2A0F523}" type="datetime1">
               <a:rPr lang="en-US" smtClean="0"/>
-              <a:t>6/20/2017</a:t>
+              <a:t>6/21/2017</a:t>
             </a:fld>
             <a:endParaRPr lang="en-US" dirty="0"/>
           </a:p>
@@ -3023,7 +3023,7 @@
           <a:p>
             <a:fld id="{3D12D1A7-D490-4E8E-9D87-6C1B4AA810F6}" type="datetime1">
               <a:rPr lang="en-US" smtClean="0"/>
-              <a:t>6/20/2017</a:t>
+              <a:t>6/21/2017</a:t>
             </a:fld>
             <a:endParaRPr lang="en-US" dirty="0"/>
           </a:p>
@@ -3327,7 +3327,7 @@
           <a:p>
             <a:fld id="{B376B07A-B4CD-422D-915D-53630FC06927}" type="datetime1">
               <a:rPr lang="en-US" smtClean="0"/>
-              <a:t>6/20/2017</a:t>
+              <a:t>6/21/2017</a:t>
             </a:fld>
             <a:endParaRPr lang="en-US" dirty="0"/>
           </a:p>
@@ -3641,7 +3641,7 @@
           <a:p>
             <a:fld id="{9897A5E2-8924-4C18-AD93-FA6C6CF9A06A}" type="datetime1">
               <a:rPr lang="en-US" smtClean="0"/>
-              <a:t>6/20/2017</a:t>
+              <a:t>6/21/2017</a:t>
             </a:fld>
             <a:endParaRPr lang="en-US" dirty="0"/>
           </a:p>
@@ -3939,7 +3939,7 @@
           <a:p>
             <a:fld id="{A740D84F-4946-47FA-8ACE-AF678C7414FE}" type="datetime1">
               <a:rPr lang="en-US" smtClean="0"/>
-              <a:t>6/20/2017</a:t>
+              <a:t>6/21/2017</a:t>
             </a:fld>
             <a:endParaRPr lang="en-US" dirty="0"/>
           </a:p>
@@ -4302,7 +4302,7 @@
           <a:p>
             <a:fld id="{EE87208D-1FC3-4D87-90F3-A669184EC04F}" type="datetime1">
               <a:rPr lang="en-US" smtClean="0"/>
-              <a:t>6/20/2017</a:t>
+              <a:t>6/21/2017</a:t>
             </a:fld>
             <a:endParaRPr lang="en-US" dirty="0"/>
           </a:p>
@@ -4472,7 +4472,7 @@
           <a:p>
             <a:fld id="{6E4C356E-F9F2-4A19-93C2-5C90503B7FDF}" type="datetime1">
               <a:rPr lang="en-US" smtClean="0"/>
-              <a:t>6/20/2017</a:t>
+              <a:t>6/21/2017</a:t>
             </a:fld>
             <a:endParaRPr lang="en-US" dirty="0"/>
           </a:p>
@@ -4648,7 +4648,7 @@
           <a:p>
             <a:fld id="{881BBB54-74A1-4A7F-AE23-D2BD0D561260}" type="datetime1">
               <a:rPr lang="en-US" smtClean="0"/>
-              <a:t>6/20/2017</a:t>
+              <a:t>6/21/2017</a:t>
             </a:fld>
             <a:endParaRPr lang="en-US" dirty="0"/>
           </a:p>
@@ -4828,7 +4828,7 @@
           <a:p>
             <a:fld id="{BBF5185C-7E9E-4EDE-8D3A-1D6C3B084C00}" type="datetime1">
               <a:rPr lang="en-US" smtClean="0"/>
-              <a:t>6/20/2017</a:t>
+              <a:t>6/21/2017</a:t>
             </a:fld>
             <a:endParaRPr lang="en-US" dirty="0"/>
           </a:p>
@@ -5081,7 +5081,7 @@
           <a:p>
             <a:fld id="{927D31D7-C049-4E25-A418-83BE3A5AF292}" type="datetime1">
               <a:rPr lang="en-US" smtClean="0"/>
-              <a:t>6/20/2017</a:t>
+              <a:t>6/21/2017</a:t>
             </a:fld>
             <a:endParaRPr lang="en-US" dirty="0"/>
           </a:p>
@@ -5320,7 +5320,7 @@
           <a:p>
             <a:fld id="{A7394D72-43C3-4FF4-85B0-3CCF157551F9}" type="datetime1">
               <a:rPr lang="en-US" smtClean="0"/>
-              <a:t>6/20/2017</a:t>
+              <a:t>6/21/2017</a:t>
             </a:fld>
             <a:endParaRPr lang="en-US" dirty="0"/>
           </a:p>
@@ -5705,7 +5705,7 @@
           <a:p>
             <a:fld id="{9C163705-A23B-4BF7-875F-BD273F796638}" type="datetime1">
               <a:rPr lang="en-US" smtClean="0"/>
-              <a:t>6/20/2017</a:t>
+              <a:t>6/21/2017</a:t>
             </a:fld>
             <a:endParaRPr lang="en-US" dirty="0"/>
           </a:p>
@@ -5819,7 +5819,7 @@
           <a:p>
             <a:fld id="{B403B115-C851-4092-8B7C-15B8E0B2BE9A}" type="datetime1">
               <a:rPr lang="en-US" smtClean="0"/>
-              <a:t>6/20/2017</a:t>
+              <a:t>6/21/2017</a:t>
             </a:fld>
             <a:endParaRPr lang="en-US" dirty="0"/>
           </a:p>
@@ -5917,7 +5917,7 @@
           <a:p>
             <a:fld id="{21CB8B9A-FABD-4019-BAA8-EC4C8C161D03}" type="datetime1">
               <a:rPr lang="en-US" smtClean="0"/>
-              <a:t>6/20/2017</a:t>
+              <a:t>6/21/2017</a:t>
             </a:fld>
             <a:endParaRPr lang="en-US" dirty="0"/>
           </a:p>
@@ -6175,7 +6175,7 @@
           <a:p>
             <a:fld id="{1A8A6E4B-050C-4B98-A132-13E05FEF473B}" type="datetime1">
               <a:rPr lang="en-US" smtClean="0"/>
-              <a:t>6/20/2017</a:t>
+              <a:t>6/21/2017</a:t>
             </a:fld>
             <a:endParaRPr lang="en-US" dirty="0"/>
           </a:p>
@@ -6454,7 +6454,7 @@
           <a:p>
             <a:fld id="{35E65056-023A-44D5-9700-40669AF2ECBA}" type="datetime1">
               <a:rPr lang="en-US" smtClean="0"/>
-              <a:t>6/20/2017</a:t>
+              <a:t>6/21/2017</a:t>
             </a:fld>
             <a:endParaRPr lang="en-US" dirty="0"/>
           </a:p>
@@ -6856,7 +6856,7 @@
           <a:p>
             <a:fld id="{7F85190A-AAB7-4E4A-B7DA-5E2F1375E5BE}" type="datetime1">
               <a:rPr lang="en-US" smtClean="0"/>
-              <a:t>6/20/2017</a:t>
+              <a:t>6/21/2017</a:t>
             </a:fld>
             <a:endParaRPr lang="en-US" dirty="0"/>
           </a:p>
@@ -7441,27 +7441,27 @@
                   </a:schemeClr>
                 </a:solidFill>
               </a:rPr>
-              <a:t>Software Engineering – </a:t>
-            </a:r>
-            <a:r>
-              <a:rPr lang="de-DE" dirty="0" err="1" smtClean="0">
+              <a:t>Software Engineering </a:t>
+            </a:r>
+            <a:r>
+              <a:rPr lang="de-DE" smtClean="0">
                 <a:solidFill>
                   <a:schemeClr val="tx1">
                     <a:lumMod val="85000"/>
                   </a:schemeClr>
                 </a:solidFill>
               </a:rPr>
-              <a:t>Midterm</a:t>
-            </a:r>
-            <a:r>
-              <a:rPr lang="de-DE" dirty="0" smtClean="0">
+              <a:t>– </a:t>
+            </a:r>
+            <a:r>
+              <a:rPr lang="de-DE" smtClean="0">
                 <a:solidFill>
                   <a:schemeClr val="tx1">
                     <a:lumMod val="85000"/>
                   </a:schemeClr>
                 </a:solidFill>
               </a:rPr>
-              <a:t> </a:t>
+              <a:t>Final </a:t>
             </a:r>
             <a:r>
               <a:rPr lang="de-DE" dirty="0" err="1" smtClean="0">
